--- a/project-report/presentation.pptx
+++ b/project-report/presentation.pptx
@@ -5,19 +5,21 @@
     <p:sldMasterId id="2147483648" r:id="rId1"/>
   </p:sldMasterIdLst>
   <p:notesMasterIdLst>
-    <p:notesMasterId r:id="rId12"/>
+    <p:notesMasterId r:id="rId14"/>
   </p:notesMasterIdLst>
   <p:sldIdLst>
     <p:sldId id="256" r:id="rId2"/>
     <p:sldId id="257" r:id="rId3"/>
     <p:sldId id="258" r:id="rId4"/>
     <p:sldId id="262" r:id="rId5"/>
-    <p:sldId id="259" r:id="rId6"/>
-    <p:sldId id="261" r:id="rId7"/>
-    <p:sldId id="263" r:id="rId8"/>
-    <p:sldId id="265" r:id="rId9"/>
-    <p:sldId id="266" r:id="rId10"/>
-    <p:sldId id="264" r:id="rId11"/>
+    <p:sldId id="267" r:id="rId6"/>
+    <p:sldId id="268" r:id="rId7"/>
+    <p:sldId id="259" r:id="rId8"/>
+    <p:sldId id="261" r:id="rId9"/>
+    <p:sldId id="263" r:id="rId10"/>
+    <p:sldId id="265" r:id="rId11"/>
+    <p:sldId id="266" r:id="rId12"/>
+    <p:sldId id="264" r:id="rId13"/>
   </p:sldIdLst>
   <p:sldSz cx="24384000" cy="13716000"/>
   <p:notesSz cx="6858000" cy="9144000"/>
@@ -321,7 +323,7 @@
   </p:defaultTextStyle>
   <p:extLst>
     <p:ext uri="{EFAFB233-063F-42B5-8137-9DF3F51BA10A}">
-      <p15:sldGuideLst xmlns:p15="http://schemas.microsoft.com/office/powerpoint/2012/main"/>
+      <p15:sldGuideLst xmlns:p15="http://schemas.microsoft.com/office/powerpoint/2012/main" xmlns=""/>
     </p:ext>
   </p:extLst>
 </p:presentation>
@@ -722,6 +724,8 @@
           <a:lstStyle/>
           <a:p>
             <a:fld id="{86CB4B4D-7CA3-9044-876B-883B54F8677D}" type="slidenum">
+              <a:rPr/>
+              <a:pPr/>
               <a:t>‹#›</a:t>
             </a:fld>
             <a:endParaRPr/>
@@ -900,6 +904,8 @@
           <a:lstStyle/>
           <a:p>
             <a:fld id="{86CB4B4D-7CA3-9044-876B-883B54F8677D}" type="slidenum">
+              <a:rPr/>
+              <a:pPr/>
               <a:t>‹#›</a:t>
             </a:fld>
             <a:endParaRPr/>
@@ -1094,6 +1100,8 @@
           <a:lstStyle/>
           <a:p>
             <a:fld id="{86CB4B4D-7CA3-9044-876B-883B54F8677D}" type="slidenum">
+              <a:rPr/>
+              <a:pPr/>
               <a:t>‹#›</a:t>
             </a:fld>
             <a:endParaRPr/>
@@ -1298,6 +1306,8 @@
           <a:lstStyle/>
           <a:p>
             <a:fld id="{86CB4B4D-7CA3-9044-876B-883B54F8677D}" type="slidenum">
+              <a:rPr/>
+              <a:pPr/>
               <a:t>‹#›</a:t>
             </a:fld>
             <a:endParaRPr/>
@@ -1437,6 +1447,8 @@
           <a:lstStyle/>
           <a:p>
             <a:fld id="{86CB4B4D-7CA3-9044-876B-883B54F8677D}" type="slidenum">
+              <a:rPr/>
+              <a:pPr/>
               <a:t>‹#›</a:t>
             </a:fld>
             <a:endParaRPr/>
@@ -1526,6 +1538,8 @@
           </a:lstStyle>
           <a:p>
             <a:fld id="{86CB4B4D-7CA3-9044-876B-883B54F8677D}" type="slidenum">
+              <a:rPr/>
+              <a:pPr/>
               <a:t>‹#›</a:t>
             </a:fld>
             <a:endParaRPr/>
@@ -1578,6 +1592,8 @@
           <a:lstStyle/>
           <a:p>
             <a:fld id="{86CB4B4D-7CA3-9044-876B-883B54F8677D}" type="slidenum">
+              <a:rPr/>
+              <a:pPr/>
               <a:t>‹#›</a:t>
             </a:fld>
             <a:endParaRPr/>
@@ -1834,6 +1850,8 @@
           <a:lstStyle/>
           <a:p>
             <a:fld id="{86CB4B4D-7CA3-9044-876B-883B54F8677D}" type="slidenum">
+              <a:rPr/>
+              <a:pPr/>
               <a:t>‹#›</a:t>
             </a:fld>
             <a:endParaRPr/>
@@ -2049,6 +2067,8 @@
           <a:lstStyle/>
           <a:p>
             <a:fld id="{86CB4B4D-7CA3-9044-876B-883B54F8677D}" type="slidenum">
+              <a:rPr/>
+              <a:pPr/>
               <a:t>‹#›</a:t>
             </a:fld>
             <a:endParaRPr/>
@@ -2208,6 +2228,8 @@
           <a:lstStyle/>
           <a:p>
             <a:fld id="{86CB4B4D-7CA3-9044-876B-883B54F8677D}" type="slidenum">
+              <a:rPr/>
+              <a:pPr/>
               <a:t>‹#›</a:t>
             </a:fld>
             <a:endParaRPr/>
@@ -2301,6 +2323,8 @@
           <a:lstStyle/>
           <a:p>
             <a:fld id="{86CB4B4D-7CA3-9044-876B-883B54F8677D}" type="slidenum">
+              <a:rPr/>
+              <a:pPr/>
               <a:t>‹#›</a:t>
             </a:fld>
             <a:endParaRPr/>
@@ -2497,6 +2521,8 @@
           <a:lstStyle/>
           <a:p>
             <a:fld id="{86CB4B4D-7CA3-9044-876B-883B54F8677D}" type="slidenum">
+              <a:rPr/>
+              <a:pPr/>
               <a:t>‹#›</a:t>
             </a:fld>
             <a:endParaRPr/>
@@ -2591,6 +2617,8 @@
           <a:lstStyle/>
           <a:p>
             <a:fld id="{86CB4B4D-7CA3-9044-876B-883B54F8677D}" type="slidenum">
+              <a:rPr/>
+              <a:pPr/>
               <a:t>‹#›</a:t>
             </a:fld>
             <a:endParaRPr/>
@@ -2713,6 +2741,8 @@
           <a:lstStyle/>
           <a:p>
             <a:fld id="{86CB4B4D-7CA3-9044-876B-883B54F8677D}" type="slidenum">
+              <a:rPr/>
+              <a:pPr/>
               <a:t>‹#›</a:t>
             </a:fld>
             <a:endParaRPr/>
@@ -2932,6 +2962,8 @@
           <a:lstStyle/>
           <a:p>
             <a:fld id="{86CB4B4D-7CA3-9044-876B-883B54F8677D}" type="slidenum">
+              <a:rPr/>
+              <a:pPr/>
               <a:t>‹#›</a:t>
             </a:fld>
             <a:endParaRPr/>
@@ -2979,7 +3011,7 @@
             <a:spLocks noGrp="1"/>
           </p:cNvSpPr>
           <p:nvPr>
-            <p:ph type="title" hasCustomPrompt="1"/>
+            <p:ph type="title"/>
           </p:nvPr>
         </p:nvSpPr>
         <p:spPr>
@@ -2995,7 +3027,7 @@
           </a:ln>
           <a:extLst>
             <a:ext uri="{C572A759-6A51-4108-AA02-DFA0A04FC94B}">
-              <ma14:wrappingTextBoxFlag xmlns="" xmlns:m="http://schemas.openxmlformats.org/officeDocument/2006/math" xmlns:a14="http://schemas.microsoft.com/office/drawing/2010/main" xmlns:ma14="http://schemas.microsoft.com/office/mac/drawingml/2011/main" val="1"/>
+              <ma14:wrappingTextBoxFlag xmlns:ma14="http://schemas.microsoft.com/office/mac/drawingml/2011/main" xmlns:a14="http://schemas.microsoft.com/office/drawing/2010/main" xmlns:m="http://schemas.openxmlformats.org/officeDocument/2006/math" xmlns="" val="1"/>
             </a:ext>
           </a:extLst>
         </p:spPr>
@@ -3018,7 +3050,7 @@
             <a:spLocks noGrp="1"/>
           </p:cNvSpPr>
           <p:nvPr>
-            <p:ph type="body" idx="1" hasCustomPrompt="1"/>
+            <p:ph type="body" idx="1"/>
           </p:nvPr>
         </p:nvSpPr>
         <p:spPr>
@@ -3034,7 +3066,7 @@
           </a:ln>
           <a:extLst>
             <a:ext uri="{C572A759-6A51-4108-AA02-DFA0A04FC94B}">
-              <ma14:wrappingTextBoxFlag xmlns="" xmlns:m="http://schemas.openxmlformats.org/officeDocument/2006/math" xmlns:a14="http://schemas.microsoft.com/office/drawing/2010/main" xmlns:ma14="http://schemas.microsoft.com/office/mac/drawingml/2011/main" val="1"/>
+              <ma14:wrappingTextBoxFlag xmlns:ma14="http://schemas.microsoft.com/office/mac/drawingml/2011/main" xmlns:a14="http://schemas.microsoft.com/office/drawing/2010/main" xmlns:m="http://schemas.openxmlformats.org/officeDocument/2006/math" xmlns="" val="1"/>
             </a:ext>
           </a:extLst>
         </p:spPr>
@@ -3103,6 +3135,8 @@
           </a:lstStyle>
           <a:p>
             <a:fld id="{86CB4B4D-7CA3-9044-876B-883B54F8677D}" type="slidenum">
+              <a:rPr/>
+              <a:pPr/>
               <a:t>‹#›</a:t>
             </a:fld>
             <a:endParaRPr/>
@@ -3876,7 +3910,7 @@
           </a:prstGeom>
           <a:extLst>
             <a:ext uri="{C572A759-6A51-4108-AA02-DFA0A04FC94B}">
-              <ma14:wrappingTextBoxFlag xmlns="" xmlns:m="http://schemas.openxmlformats.org/officeDocument/2006/math" xmlns:a14="http://schemas.microsoft.com/office/drawing/2010/main" xmlns:ma14="http://schemas.microsoft.com/office/mac/drawingml/2011/main" val="1"/>
+              <ma14:wrappingTextBoxFlag xmlns:ma14="http://schemas.microsoft.com/office/mac/drawingml/2011/main" xmlns:a14="http://schemas.microsoft.com/office/drawing/2010/main" xmlns:m="http://schemas.openxmlformats.org/officeDocument/2006/math" xmlns="" val="1"/>
             </a:ext>
           </a:extLst>
         </p:spPr>
@@ -4039,10 +4073,262 @@
       </p:grpSpPr>
       <p:sp>
         <p:nvSpPr>
+          <p:cNvPr id="4" name="Text Placeholder 3">
+            <a:extLst>
+              <a:ext uri="{FF2B5EF4-FFF2-40B4-BE49-F238E27FC236}">
+                <a16:creationId xmlns:a16="http://schemas.microsoft.com/office/drawing/2014/main" xmlns="" id="{81AF30D5-FC3E-4664-8D00-04A264B2EA9D}"/>
+              </a:ext>
+            </a:extLst>
+          </p:cNvPr>
+          <p:cNvSpPr>
+            <a:spLocks noGrp="1"/>
+          </p:cNvSpPr>
+          <p:nvPr>
+            <p:ph type="body" idx="1"/>
+          </p:nvPr>
+        </p:nvSpPr>
+        <p:spPr>
+          <a:xfrm>
+            <a:off x="1206500" y="854765"/>
+            <a:ext cx="21971000" cy="11649751"/>
+          </a:xfrm>
+        </p:spPr>
+        <p:txBody>
+          <a:bodyPr/>
+          <a:lstStyle/>
+          <a:p>
+            <a:endParaRPr lang="en-US" dirty="0"/>
+          </a:p>
+        </p:txBody>
+      </p:sp>
+      <p:pic>
+        <p:nvPicPr>
+          <p:cNvPr id="6" name="Picture 5">
+            <a:extLst>
+              <a:ext uri="{FF2B5EF4-FFF2-40B4-BE49-F238E27FC236}">
+                <a16:creationId xmlns:a16="http://schemas.microsoft.com/office/drawing/2014/main" xmlns="" id="{E80ACF00-1B96-4244-962D-AB9CC2589CCC}"/>
+              </a:ext>
+            </a:extLst>
+          </p:cNvPr>
+          <p:cNvPicPr>
+            <a:picLocks noChangeAspect="1"/>
+          </p:cNvPicPr>
+          <p:nvPr/>
+        </p:nvPicPr>
+        <p:blipFill>
+          <a:blip r:embed="rId2" cstate="print">
+            <a:extLst>
+              <a:ext uri="{28A0092B-C50C-407E-A947-70E740481C1C}">
+                <a14:useLocalDpi xmlns:a14="http://schemas.microsoft.com/office/drawing/2010/main" xmlns="" val="0"/>
+              </a:ext>
+            </a:extLst>
+          </a:blip>
+          <a:stretch>
+            <a:fillRect/>
+          </a:stretch>
+        </p:blipFill>
+        <p:spPr>
+          <a:xfrm>
+            <a:off x="1206500" y="854765"/>
+            <a:ext cx="21037275" cy="11822363"/>
+          </a:xfrm>
+          <a:prstGeom prst="rect">
+            <a:avLst/>
+          </a:prstGeom>
+        </p:spPr>
+      </p:pic>
+    </p:spTree>
+    <p:extLst>
+      <p:ext uri="{BB962C8B-B14F-4D97-AF65-F5344CB8AC3E}">
+        <p14:creationId xmlns:p14="http://schemas.microsoft.com/office/powerpoint/2010/main" xmlns="" val="3585331926"/>
+      </p:ext>
+    </p:extLst>
+  </p:cSld>
+  <p:clrMapOvr>
+    <a:masterClrMapping/>
+  </p:clrMapOvr>
+  <p:transition spd="med"/>
+</p:sld>
+</file>
+
+<file path=ppt/slides/slide11.xml><?xml version="1.0" encoding="utf-8"?>
+<p:sld xmlns:a="http://schemas.openxmlformats.org/drawingml/2006/main" xmlns:r="http://schemas.openxmlformats.org/officeDocument/2006/relationships" xmlns:p="http://schemas.openxmlformats.org/presentationml/2006/main">
+  <p:cSld>
+    <p:spTree>
+      <p:nvGrpSpPr>
+        <p:cNvPr id="1" name=""/>
+        <p:cNvGrpSpPr/>
+        <p:nvPr/>
+      </p:nvGrpSpPr>
+      <p:grpSpPr>
+        <a:xfrm>
+          <a:off x="0" y="0"/>
+          <a:ext cx="0" cy="0"/>
+          <a:chOff x="0" y="0"/>
+          <a:chExt cx="0" cy="0"/>
+        </a:xfrm>
+      </p:grpSpPr>
+      <p:sp>
+        <p:nvSpPr>
+          <p:cNvPr id="4" name="Text Placeholder 3">
+            <a:extLst>
+              <a:ext uri="{FF2B5EF4-FFF2-40B4-BE49-F238E27FC236}">
+                <a16:creationId xmlns:a16="http://schemas.microsoft.com/office/drawing/2014/main" xmlns="" id="{76B44034-6956-4659-83F5-4ACF9028FE24}"/>
+              </a:ext>
+            </a:extLst>
+          </p:cNvPr>
+          <p:cNvSpPr>
+            <a:spLocks noGrp="1"/>
+          </p:cNvSpPr>
+          <p:nvPr>
+            <p:ph type="body" idx="1"/>
+          </p:nvPr>
+        </p:nvSpPr>
+        <p:spPr>
+          <a:xfrm>
+            <a:off x="0" y="1"/>
+            <a:ext cx="24384000" cy="13716000"/>
+          </a:xfrm>
+        </p:spPr>
+        <p:txBody>
+          <a:bodyPr/>
+          <a:lstStyle/>
+          <a:p>
+            <a:pPr marL="0" indent="0">
+              <a:buNone/>
+            </a:pPr>
+            <a:endParaRPr lang="en-US" dirty="0"/>
+          </a:p>
+          <a:p>
+            <a:pPr marL="0" indent="0">
+              <a:buNone/>
+            </a:pPr>
+            <a:r>
+              <a:rPr lang="en-US" sz="8000" dirty="0"/>
+              <a:t>	MongoDB Analysis</a:t>
+            </a:r>
+          </a:p>
+          <a:p>
+            <a:pPr marL="0" indent="0">
+              <a:buNone/>
+            </a:pPr>
+            <a:endParaRPr lang="en-US" sz="8000" dirty="0"/>
+          </a:p>
+          <a:p>
+            <a:pPr marL="0" indent="0">
+              <a:buNone/>
+            </a:pPr>
+            <a:endParaRPr lang="en-US" sz="8500" dirty="0"/>
+          </a:p>
+        </p:txBody>
+      </p:sp>
+      <p:pic>
+        <p:nvPicPr>
+          <p:cNvPr id="6" name="Picture 5">
+            <a:extLst>
+              <a:ext uri="{FF2B5EF4-FFF2-40B4-BE49-F238E27FC236}">
+                <a16:creationId xmlns:a16="http://schemas.microsoft.com/office/drawing/2014/main" xmlns="" id="{100E8943-A363-4667-B363-EC3EDFF4C6C0}"/>
+              </a:ext>
+            </a:extLst>
+          </p:cNvPr>
+          <p:cNvPicPr>
+            <a:picLocks noChangeAspect="1"/>
+          </p:cNvPicPr>
+          <p:nvPr/>
+        </p:nvPicPr>
+        <p:blipFill rotWithShape="1">
+          <a:blip r:embed="rId2" cstate="print">
+            <a:extLst>
+              <a:ext uri="{28A0092B-C50C-407E-A947-70E740481C1C}">
+                <a14:useLocalDpi xmlns:a14="http://schemas.microsoft.com/office/drawing/2010/main" xmlns="" val="0"/>
+              </a:ext>
+            </a:extLst>
+          </a:blip>
+          <a:srcRect l="18270" t="11681"/>
+          <a:stretch/>
+        </p:blipFill>
+        <p:spPr>
+          <a:xfrm>
+            <a:off x="1132157" y="2641385"/>
+            <a:ext cx="10718014" cy="8865704"/>
+          </a:xfrm>
+          <a:prstGeom prst="rect">
+            <a:avLst/>
+          </a:prstGeom>
+        </p:spPr>
+      </p:pic>
+      <p:pic>
+        <p:nvPicPr>
+          <p:cNvPr id="8" name="Picture 7">
+            <a:extLst>
+              <a:ext uri="{FF2B5EF4-FFF2-40B4-BE49-F238E27FC236}">
+                <a16:creationId xmlns:a16="http://schemas.microsoft.com/office/drawing/2014/main" xmlns="" id="{E90F27EA-DD77-4731-9447-5461639BF052}"/>
+              </a:ext>
+            </a:extLst>
+          </p:cNvPr>
+          <p:cNvPicPr>
+            <a:picLocks noChangeAspect="1"/>
+          </p:cNvPicPr>
+          <p:nvPr/>
+        </p:nvPicPr>
+        <p:blipFill rotWithShape="1">
+          <a:blip r:embed="rId3" cstate="print">
+            <a:extLst>
+              <a:ext uri="{28A0092B-C50C-407E-A947-70E740481C1C}">
+                <a14:useLocalDpi xmlns:a14="http://schemas.microsoft.com/office/drawing/2010/main" xmlns="" val="0"/>
+              </a:ext>
+            </a:extLst>
+          </a:blip>
+          <a:srcRect l="18270" t="11274"/>
+          <a:stretch/>
+        </p:blipFill>
+        <p:spPr>
+          <a:xfrm>
+            <a:off x="12982328" y="2663687"/>
+            <a:ext cx="10834442" cy="8865704"/>
+          </a:xfrm>
+          <a:prstGeom prst="rect">
+            <a:avLst/>
+          </a:prstGeom>
+        </p:spPr>
+      </p:pic>
+    </p:spTree>
+    <p:extLst>
+      <p:ext uri="{BB962C8B-B14F-4D97-AF65-F5344CB8AC3E}">
+        <p14:creationId xmlns:p14="http://schemas.microsoft.com/office/powerpoint/2010/main" xmlns="" val="904862034"/>
+      </p:ext>
+    </p:extLst>
+  </p:cSld>
+  <p:clrMapOvr>
+    <a:masterClrMapping/>
+  </p:clrMapOvr>
+  <p:transition spd="med"/>
+</p:sld>
+</file>
+
+<file path=ppt/slides/slide12.xml><?xml version="1.0" encoding="utf-8"?>
+<p:sld xmlns:a="http://schemas.openxmlformats.org/drawingml/2006/main" xmlns:r="http://schemas.openxmlformats.org/officeDocument/2006/relationships" xmlns:p="http://schemas.openxmlformats.org/presentationml/2006/main">
+  <p:cSld>
+    <p:spTree>
+      <p:nvGrpSpPr>
+        <p:cNvPr id="1" name=""/>
+        <p:cNvGrpSpPr/>
+        <p:nvPr/>
+      </p:nvGrpSpPr>
+      <p:grpSpPr>
+        <a:xfrm>
+          <a:off x="0" y="0"/>
+          <a:ext cx="0" cy="0"/>
+          <a:chOff x="0" y="0"/>
+          <a:chExt cx="0" cy="0"/>
+        </a:xfrm>
+      </p:grpSpPr>
+      <p:sp>
+        <p:nvSpPr>
           <p:cNvPr id="2" name="Title 1">
             <a:extLst>
               <a:ext uri="{FF2B5EF4-FFF2-40B4-BE49-F238E27FC236}">
-                <a16:creationId xmlns:a16="http://schemas.microsoft.com/office/drawing/2014/main" id="{30D88C7B-F540-4620-BF52-17A753A20633}"/>
+                <a16:creationId xmlns:a16="http://schemas.microsoft.com/office/drawing/2014/main" xmlns="" id="{30D88C7B-F540-4620-BF52-17A753A20633}"/>
               </a:ext>
             </a:extLst>
           </p:cNvPr>
@@ -4078,7 +4364,7 @@
           <p:cNvPr id="4" name="Text Placeholder 3">
             <a:extLst>
               <a:ext uri="{FF2B5EF4-FFF2-40B4-BE49-F238E27FC236}">
-                <a16:creationId xmlns:a16="http://schemas.microsoft.com/office/drawing/2014/main" id="{F138779B-F6A1-46CC-BA28-CE1ABCE42173}"/>
+                <a16:creationId xmlns:a16="http://schemas.microsoft.com/office/drawing/2014/main" xmlns="" id="{F138779B-F6A1-46CC-BA28-CE1ABCE42173}"/>
               </a:ext>
             </a:extLst>
           </p:cNvPr>
@@ -4108,7 +4394,7 @@
           <p:cNvPr id="6" name="Picture 5">
             <a:extLst>
               <a:ext uri="{FF2B5EF4-FFF2-40B4-BE49-F238E27FC236}">
-                <a16:creationId xmlns:a16="http://schemas.microsoft.com/office/drawing/2014/main" id="{046624FA-C864-4572-B5E4-BFE1F42AE503}"/>
+                <a16:creationId xmlns:a16="http://schemas.microsoft.com/office/drawing/2014/main" xmlns="" id="{046624FA-C864-4572-B5E4-BFE1F42AE503}"/>
               </a:ext>
             </a:extLst>
           </p:cNvPr>
@@ -4118,10 +4404,10 @@
           <p:nvPr/>
         </p:nvPicPr>
         <p:blipFill>
-          <a:blip r:embed="rId2">
+          <a:blip r:embed="rId2" cstate="print">
             <a:extLst>
               <a:ext uri="{28A0092B-C50C-407E-A947-70E740481C1C}">
-                <a14:useLocalDpi xmlns:a14="http://schemas.microsoft.com/office/drawing/2010/main" val="0"/>
+                <a14:useLocalDpi xmlns:a14="http://schemas.microsoft.com/office/drawing/2010/main" xmlns="" val="0"/>
               </a:ext>
             </a:extLst>
           </a:blip>
@@ -4142,7 +4428,7 @@
     </p:spTree>
     <p:extLst>
       <p:ext uri="{BB962C8B-B14F-4D97-AF65-F5344CB8AC3E}">
-        <p14:creationId xmlns:p14="http://schemas.microsoft.com/office/powerpoint/2010/main" val="1068519801"/>
+        <p14:creationId xmlns:p14="http://schemas.microsoft.com/office/powerpoint/2010/main" xmlns="" val="1068519801"/>
       </p:ext>
     </p:extLst>
   </p:cSld>
@@ -4211,7 +4497,7 @@
           </a:prstGeom>
           <a:extLst>
             <a:ext uri="{C572A759-6A51-4108-AA02-DFA0A04FC94B}">
-              <ma14:wrappingTextBoxFlag xmlns="" xmlns:m="http://schemas.openxmlformats.org/officeDocument/2006/math" xmlns:a14="http://schemas.microsoft.com/office/drawing/2010/main" xmlns:ma14="http://schemas.microsoft.com/office/mac/drawingml/2011/main" val="1"/>
+              <ma14:wrappingTextBoxFlag xmlns:ma14="http://schemas.microsoft.com/office/mac/drawingml/2011/main" xmlns:a14="http://schemas.microsoft.com/office/drawing/2010/main" xmlns:m="http://schemas.openxmlformats.org/officeDocument/2006/math" xmlns="" val="1"/>
             </a:ext>
           </a:extLst>
         </p:spPr>
@@ -4401,7 +4687,7 @@
           </a:prstGeom>
           <a:extLst>
             <a:ext uri="{C572A759-6A51-4108-AA02-DFA0A04FC94B}">
-              <ma14:wrappingTextBoxFlag xmlns="" xmlns:m="http://schemas.openxmlformats.org/officeDocument/2006/math" xmlns:a14="http://schemas.microsoft.com/office/drawing/2010/main" xmlns:ma14="http://schemas.microsoft.com/office/mac/drawingml/2011/main" val="1"/>
+              <ma14:wrappingTextBoxFlag xmlns:ma14="http://schemas.microsoft.com/office/mac/drawingml/2011/main" xmlns:a14="http://schemas.microsoft.com/office/drawing/2010/main" xmlns:m="http://schemas.openxmlformats.org/officeDocument/2006/math" xmlns="" val="1"/>
             </a:ext>
           </a:extLst>
         </p:spPr>
@@ -4452,7 +4738,7 @@
           <p:cNvPr id="3" name="Picture 2">
             <a:extLst>
               <a:ext uri="{FF2B5EF4-FFF2-40B4-BE49-F238E27FC236}">
-                <a16:creationId xmlns:a16="http://schemas.microsoft.com/office/drawing/2014/main" id="{93D2FC77-F41A-4607-A9DA-578E1E83B608}"/>
+                <a16:creationId xmlns:a16="http://schemas.microsoft.com/office/drawing/2014/main" xmlns="" id="{93D2FC77-F41A-4607-A9DA-578E1E83B608}"/>
               </a:ext>
             </a:extLst>
           </p:cNvPr>
@@ -4462,7 +4748,7 @@
           <p:nvPr/>
         </p:nvPicPr>
         <p:blipFill>
-          <a:blip r:embed="rId2"/>
+          <a:blip r:embed="rId2" cstate="print"/>
           <a:stretch>
             <a:fillRect/>
           </a:stretch>
@@ -4482,7 +4768,7 @@
           <p:cNvPr id="5" name="Picture 4">
             <a:extLst>
               <a:ext uri="{FF2B5EF4-FFF2-40B4-BE49-F238E27FC236}">
-                <a16:creationId xmlns:a16="http://schemas.microsoft.com/office/drawing/2014/main" id="{B14FA094-CF5C-4D08-9ED4-4D058938CA87}"/>
+                <a16:creationId xmlns:a16="http://schemas.microsoft.com/office/drawing/2014/main" xmlns="" id="{B14FA094-CF5C-4D08-9ED4-4D058938CA87}"/>
               </a:ext>
             </a:extLst>
           </p:cNvPr>
@@ -4492,7 +4778,7 @@
           <p:nvPr/>
         </p:nvPicPr>
         <p:blipFill>
-          <a:blip r:embed="rId3"/>
+          <a:blip r:embed="rId3" cstate="print"/>
           <a:stretch>
             <a:fillRect/>
           </a:stretch>
@@ -4538,7 +4824,7 @@
           <p:cNvPr id="4" name="Text Placeholder 3">
             <a:extLst>
               <a:ext uri="{FF2B5EF4-FFF2-40B4-BE49-F238E27FC236}">
-                <a16:creationId xmlns:a16="http://schemas.microsoft.com/office/drawing/2014/main" id="{25CBAC81-A32E-4241-BF09-A5664F9A43AB}"/>
+                <a16:creationId xmlns:a16="http://schemas.microsoft.com/office/drawing/2014/main" xmlns="" id="{25CBAC81-A32E-4241-BF09-A5664F9A43AB}"/>
               </a:ext>
             </a:extLst>
           </p:cNvPr>
@@ -4608,7 +4894,7 @@
           <p:cNvPr id="1026" name="Picture 2">
             <a:extLst>
               <a:ext uri="{FF2B5EF4-FFF2-40B4-BE49-F238E27FC236}">
-                <a16:creationId xmlns:a16="http://schemas.microsoft.com/office/drawing/2014/main" id="{56559B88-8129-449B-8BA6-1F6A6C43908B}"/>
+                <a16:creationId xmlns:a16="http://schemas.microsoft.com/office/drawing/2014/main" xmlns="" id="{56559B88-8129-449B-8BA6-1F6A6C43908B}"/>
               </a:ext>
             </a:extLst>
           </p:cNvPr>
@@ -4618,10 +4904,10 @@
           <p:nvPr/>
         </p:nvPicPr>
         <p:blipFill>
-          <a:blip r:embed="rId2">
+          <a:blip r:embed="rId2" cstate="print">
             <a:extLst>
               <a:ext uri="{28A0092B-C50C-407E-A947-70E740481C1C}">
-                <a14:useLocalDpi xmlns:a14="http://schemas.microsoft.com/office/drawing/2010/main" val="0"/>
+                <a14:useLocalDpi xmlns:a14="http://schemas.microsoft.com/office/drawing/2010/main" xmlns="" val="0"/>
               </a:ext>
             </a:extLst>
           </a:blip>
@@ -4641,7 +4927,7 @@
           <a:noFill/>
           <a:extLst>
             <a:ext uri="{909E8E84-426E-40DD-AFC4-6F175D3DCCD1}">
-              <a14:hiddenFill xmlns:a14="http://schemas.microsoft.com/office/drawing/2010/main">
+              <a14:hiddenFill xmlns:a14="http://schemas.microsoft.com/office/drawing/2010/main" xmlns="">
                 <a:solidFill>
                   <a:srgbClr val="FFFFFF"/>
                 </a:solidFill>
@@ -4655,7 +4941,7 @@
           <p:cNvPr id="1028" name="Picture 4">
             <a:extLst>
               <a:ext uri="{FF2B5EF4-FFF2-40B4-BE49-F238E27FC236}">
-                <a16:creationId xmlns:a16="http://schemas.microsoft.com/office/drawing/2014/main" id="{1745F992-26CE-4F20-AF1C-2C0C38116EE9}"/>
+                <a16:creationId xmlns:a16="http://schemas.microsoft.com/office/drawing/2014/main" xmlns="" id="{1745F992-26CE-4F20-AF1C-2C0C38116EE9}"/>
               </a:ext>
             </a:extLst>
           </p:cNvPr>
@@ -4665,10 +4951,10 @@
           <p:nvPr/>
         </p:nvPicPr>
         <p:blipFill>
-          <a:blip r:embed="rId3">
+          <a:blip r:embed="rId3" cstate="print">
             <a:extLst>
               <a:ext uri="{28A0092B-C50C-407E-A947-70E740481C1C}">
-                <a14:useLocalDpi xmlns:a14="http://schemas.microsoft.com/office/drawing/2010/main" val="0"/>
+                <a14:useLocalDpi xmlns:a14="http://schemas.microsoft.com/office/drawing/2010/main" xmlns="" val="0"/>
               </a:ext>
             </a:extLst>
           </a:blip>
@@ -4688,7 +4974,7 @@
           <a:noFill/>
           <a:extLst>
             <a:ext uri="{909E8E84-426E-40DD-AFC4-6F175D3DCCD1}">
-              <a14:hiddenFill xmlns:a14="http://schemas.microsoft.com/office/drawing/2010/main">
+              <a14:hiddenFill xmlns:a14="http://schemas.microsoft.com/office/drawing/2010/main" xmlns="">
                 <a:solidFill>
                   <a:srgbClr val="FFFFFF"/>
                 </a:solidFill>
@@ -4700,7 +4986,7 @@
     </p:spTree>
     <p:extLst>
       <p:ext uri="{BB962C8B-B14F-4D97-AF65-F5344CB8AC3E}">
-        <p14:creationId xmlns:p14="http://schemas.microsoft.com/office/powerpoint/2010/main" val="1910306447"/>
+        <p14:creationId xmlns:p14="http://schemas.microsoft.com/office/powerpoint/2010/main" xmlns="" val="1910306447"/>
       </p:ext>
     </p:extLst>
   </p:cSld>
@@ -4730,46 +5016,14 @@
       </p:grpSpPr>
       <p:sp>
         <p:nvSpPr>
-          <p:cNvPr id="164" name="Overall system architecture"/>
-          <p:cNvSpPr txBox="1">
-            <a:spLocks noGrp="1"/>
-          </p:cNvSpPr>
-          <p:nvPr>
-            <p:ph type="title"/>
-          </p:nvPr>
-        </p:nvSpPr>
-        <p:spPr>
-          <a:prstGeom prst="rect">
-            <a:avLst/>
-          </a:prstGeom>
-        </p:spPr>
-        <p:txBody>
-          <a:bodyPr/>
-          <a:lstStyle/>
-          <a:p>
-            <a:r>
-              <a:rPr lang="en-US" dirty="0"/>
-              <a:t>S</a:t>
-            </a:r>
-            <a:r>
-              <a:rPr dirty="0"/>
-              <a:t>ystem </a:t>
-            </a:r>
-            <a:r>
-              <a:rPr lang="en-US" dirty="0"/>
-              <a:t>A</a:t>
-            </a:r>
-            <a:r>
-              <a:rPr dirty="0"/>
-              <a:t>rchitecture</a:t>
-            </a:r>
-          </a:p>
-        </p:txBody>
-      </p:sp>
-      <p:sp>
-        <p:nvSpPr>
-          <p:cNvPr id="166" name="Jupyter Notebook…"/>
-          <p:cNvSpPr txBox="1">
+          <p:cNvPr id="4" name="Text Placeholder 3">
+            <a:extLst>
+              <a:ext uri="{FF2B5EF4-FFF2-40B4-BE49-F238E27FC236}">
+                <a16:creationId xmlns:a16="http://schemas.microsoft.com/office/drawing/2014/main" xmlns="" id="{25CBAC81-A32E-4241-BF09-A5664F9A43AB}"/>
+              </a:ext>
+            </a:extLst>
+          </p:cNvPr>
+          <p:cNvSpPr>
             <a:spLocks noGrp="1"/>
           </p:cNvSpPr>
           <p:nvPr>
@@ -4778,114 +5032,105 @@
         </p:nvSpPr>
         <p:spPr>
           <a:xfrm>
-            <a:off x="1206500" y="3120887"/>
-            <a:ext cx="21971000" cy="9383629"/>
+            <a:off x="-2803527" y="-4818724"/>
+            <a:ext cx="34395746" cy="15695798"/>
           </a:xfrm>
-          <a:prstGeom prst="rect">
-            <a:avLst/>
-          </a:prstGeom>
         </p:spPr>
         <p:txBody>
           <a:bodyPr/>
           <a:lstStyle/>
           <a:p>
-            <a:r>
-              <a:rPr dirty="0" err="1"/>
-              <a:t>Jupyter</a:t>
-            </a:r>
-            <a:r>
-              <a:rPr dirty="0"/>
-              <a:t> Notebook</a:t>
-            </a:r>
-          </a:p>
-          <a:p>
-            <a:r>
-              <a:rPr dirty="0"/>
-              <a:t>Kafka</a:t>
-            </a:r>
+            <a:pPr marL="0" indent="0">
+              <a:buNone/>
+            </a:pPr>
+            <a:endParaRPr lang="en-US" dirty="0"/>
+          </a:p>
+          <a:p>
+            <a:pPr marL="0" indent="0">
+              <a:buNone/>
+            </a:pPr>
+            <a:endParaRPr lang="en-US" dirty="0"/>
+          </a:p>
+          <a:p>
+            <a:pPr marL="0" indent="0">
+              <a:buNone/>
+            </a:pPr>
+            <a:endParaRPr lang="en-US" dirty="0"/>
+          </a:p>
+          <a:p>
+            <a:pPr marL="0" indent="0">
+              <a:buNone/>
+            </a:pPr>
+            <a:endParaRPr lang="en-US" dirty="0"/>
+          </a:p>
+          <a:p>
+            <a:pPr marL="0" indent="0">
+              <a:buNone/>
+            </a:pPr>
+            <a:endParaRPr lang="en-US" dirty="0"/>
+          </a:p>
+          <a:p>
+            <a:pPr marL="0" indent="0">
+              <a:buNone/>
+            </a:pPr>
             <a:r>
               <a:rPr lang="en-US" dirty="0"/>
-              <a:t> Streams as server</a:t>
-            </a:r>
-            <a:endParaRPr dirty="0"/>
-          </a:p>
-          <a:p>
-            <a:r>
-              <a:rPr lang="en-US" dirty="0"/>
-              <a:t>Spark</a:t>
-            </a:r>
-            <a:r>
-              <a:rPr dirty="0"/>
-              <a:t> </a:t>
-            </a:r>
-            <a:r>
-              <a:rPr lang="en-US" dirty="0"/>
-              <a:t>as consumer</a:t>
-            </a:r>
-            <a:endParaRPr dirty="0"/>
-          </a:p>
-          <a:p>
-            <a:r>
-              <a:rPr lang="en-US" dirty="0" err="1"/>
-              <a:t>Flink</a:t>
-            </a:r>
-            <a:r>
-              <a:rPr lang="en-US" dirty="0"/>
-              <a:t> (experiment)</a:t>
-            </a:r>
-            <a:endParaRPr dirty="0"/>
-          </a:p>
-          <a:p>
-            <a:r>
-              <a:rPr lang="en-US" dirty="0"/>
-              <a:t>MySQL</a:t>
-            </a:r>
-          </a:p>
-          <a:p>
-            <a:r>
-              <a:rPr lang="en-US" dirty="0"/>
-              <a:t>MongoDB</a:t>
-            </a:r>
-          </a:p>
-          <a:p>
-            <a:r>
-              <a:rPr lang="en-US" dirty="0" err="1"/>
-              <a:t>Echarts</a:t>
-            </a:r>
-            <a:endParaRPr dirty="0"/>
+              <a:t>		</a:t>
+            </a:r>
+            <a:r>
+              <a:rPr lang="en-US" sz="8500" b="1" dirty="0"/>
+              <a:t>EDA – Visualization </a:t>
+            </a:r>
+            <a:r>
+              <a:rPr lang="hu-HU" sz="8500" b="1" dirty="0" err="1" smtClean="0"/>
+              <a:t>Graph</a:t>
+            </a:r>
+            <a:endParaRPr lang="en-US" sz="8500" b="1" dirty="0"/>
           </a:p>
         </p:txBody>
       </p:sp>
       <p:pic>
         <p:nvPicPr>
-          <p:cNvPr id="3" name="Picture 2">
-            <a:extLst>
-              <a:ext uri="{FF2B5EF4-FFF2-40B4-BE49-F238E27FC236}">
-                <a16:creationId xmlns:a16="http://schemas.microsoft.com/office/drawing/2014/main" id="{C36C927F-6172-4424-B238-0EEF8E2B44AD}"/>
-              </a:ext>
-            </a:extLst>
-          </p:cNvPr>
+          <p:cNvPr id="5" name="Kép 4" descr="nodes.PNG"/>
           <p:cNvPicPr>
             <a:picLocks noChangeAspect="1"/>
           </p:cNvPicPr>
           <p:nvPr/>
         </p:nvPicPr>
         <p:blipFill>
-          <a:blip r:embed="rId2">
-            <a:extLst>
-              <a:ext uri="{28A0092B-C50C-407E-A947-70E740481C1C}">
-                <a14:useLocalDpi xmlns:a14="http://schemas.microsoft.com/office/drawing/2010/main" val="0"/>
-              </a:ext>
-            </a:extLst>
-          </a:blip>
+          <a:blip r:embed="rId2" cstate="print"/>
           <a:stretch>
             <a:fillRect/>
           </a:stretch>
         </p:blipFill>
         <p:spPr>
           <a:xfrm>
-            <a:off x="9382541" y="3120887"/>
-            <a:ext cx="12662452" cy="8256011"/>
+            <a:off x="2172198" y="4263014"/>
+            <a:ext cx="10492242" cy="7692765"/>
+          </a:xfrm>
+          <a:prstGeom prst="rect">
+            <a:avLst/>
+          </a:prstGeom>
+        </p:spPr>
+      </p:pic>
+      <p:pic>
+        <p:nvPicPr>
+          <p:cNvPr id="6" name="Kép 5" descr="NodeDesti.PNG"/>
+          <p:cNvPicPr>
+            <a:picLocks noChangeAspect="1"/>
+          </p:cNvPicPr>
+          <p:nvPr/>
+        </p:nvPicPr>
+        <p:blipFill>
+          <a:blip r:embed="rId3" cstate="print"/>
+          <a:stretch>
+            <a:fillRect/>
+          </a:stretch>
+        </p:blipFill>
+        <p:spPr>
+          <a:xfrm>
+            <a:off x="12460106" y="3853446"/>
+            <a:ext cx="10468474" cy="7553694"/>
           </a:xfrm>
           <a:prstGeom prst="rect">
             <a:avLst/>
@@ -4893,6 +5138,11 @@
         </p:spPr>
       </p:pic>
     </p:spTree>
+    <p:extLst>
+      <p:ext uri="{BB962C8B-B14F-4D97-AF65-F5344CB8AC3E}">
+        <p14:creationId xmlns:p14="http://schemas.microsoft.com/office/powerpoint/2010/main" xmlns="" val="1910306447"/>
+      </p:ext>
+    </p:extLst>
   </p:cSld>
   <p:clrMapOvr>
     <a:masterClrMapping/>
@@ -4920,7 +5170,7 @@
       </p:grpSpPr>
       <p:sp>
         <p:nvSpPr>
-          <p:cNvPr id="174" name="Kafka Streams"/>
+          <p:cNvPr id="164" name="Overall system architecture"/>
           <p:cNvSpPr txBox="1">
             <a:spLocks noGrp="1"/>
           </p:cNvSpPr>
@@ -4938,14 +5188,27 @@
           <a:lstStyle/>
           <a:p>
             <a:r>
-              <a:t>Kafka Streams</a:t>
+              <a:rPr lang="en-US" dirty="0"/>
+              <a:t>S</a:t>
+            </a:r>
+            <a:r>
+              <a:rPr dirty="0"/>
+              <a:t>ystem </a:t>
+            </a:r>
+            <a:r>
+              <a:rPr lang="en-US" dirty="0"/>
+              <a:t>A</a:t>
+            </a:r>
+            <a:r>
+              <a:rPr dirty="0"/>
+              <a:t>rchitecture</a:t>
             </a:r>
           </a:p>
         </p:txBody>
       </p:sp>
       <p:sp>
         <p:nvSpPr>
-          <p:cNvPr id="176" name="Previous account balance…"/>
+          <p:cNvPr id="166" name="Jupyter Notebook…"/>
           <p:cNvSpPr txBox="1">
             <a:spLocks noGrp="1"/>
           </p:cNvSpPr>
@@ -4955,8 +5218,8 @@
         </p:nvSpPr>
         <p:spPr>
           <a:xfrm>
-            <a:off x="1206500" y="2941983"/>
-            <a:ext cx="21255935" cy="9562533"/>
+            <a:off x="1206500" y="3120887"/>
+            <a:ext cx="21971000" cy="9383629"/>
           </a:xfrm>
           <a:prstGeom prst="rect">
             <a:avLst/>
@@ -4966,65 +5229,109 @@
           <a:bodyPr/>
           <a:lstStyle/>
           <a:p>
-            <a:pPr marL="0" indent="0">
-              <a:buNone/>
-            </a:pPr>
+            <a:r>
+              <a:rPr dirty="0" err="1"/>
+              <a:t>Jupyter</a:t>
+            </a:r>
+            <a:r>
+              <a:rPr dirty="0"/>
+              <a:t> Notebook</a:t>
+            </a:r>
+          </a:p>
+          <a:p>
+            <a:r>
+              <a:rPr dirty="0"/>
+              <a:t>Kafka</a:t>
+            </a:r>
             <a:r>
               <a:rPr lang="en-US" dirty="0"/>
-              <a:t>Two Topics Created</a:t>
-            </a:r>
-          </a:p>
-          <a:p>
-            <a:pPr lvl="1"/>
+              <a:t> Streams as server</a:t>
+            </a:r>
+            <a:endParaRPr dirty="0"/>
+          </a:p>
+          <a:p>
             <a:r>
               <a:rPr lang="en-US" dirty="0"/>
-              <a:t>topic1</a:t>
-            </a:r>
-          </a:p>
-          <a:p>
-            <a:pPr lvl="1"/>
+              <a:t>Spark</a:t>
+            </a:r>
+            <a:r>
+              <a:rPr dirty="0"/>
+              <a:t> </a:t>
+            </a:r>
             <a:r>
               <a:rPr lang="en-US" dirty="0"/>
-              <a:t>streaming</a:t>
-            </a:r>
-          </a:p>
-          <a:p>
-            <a:pPr lvl="1"/>
+              <a:t>as consumer</a:t>
+            </a:r>
+            <a:endParaRPr dirty="0"/>
+          </a:p>
+          <a:p>
+            <a:r>
+              <a:rPr lang="en-US" dirty="0" err="1"/>
+              <a:t>Flink</a:t>
+            </a:r>
             <a:r>
               <a:rPr lang="en-US" dirty="0"/>
-              <a:t>.csv data streamed,  </a:t>
-            </a:r>
+              <a:t> (experiment)</a:t>
+            </a:r>
+            <a:endParaRPr dirty="0"/>
+          </a:p>
+          <a:p>
+            <a:r>
+              <a:rPr lang="en-US" dirty="0"/>
+              <a:t>MySQL</a:t>
+            </a:r>
+          </a:p>
+          <a:p>
+            <a:r>
+              <a:rPr lang="en-US" dirty="0"/>
+              <a:t>MongoDB</a:t>
+            </a:r>
+          </a:p>
+          <a:p>
             <a:r>
               <a:rPr lang="en-US" dirty="0" err="1"/>
-              <a:t>api</a:t>
-            </a:r>
-            <a:r>
-              <a:rPr lang="en-US" dirty="0"/>
-              <a:t> path “/</a:t>
-            </a:r>
-            <a:r>
-              <a:rPr lang="en-US" dirty="0" err="1"/>
-              <a:t>streamData</a:t>
-            </a:r>
-            <a:r>
-              <a:rPr lang="en-US" dirty="0"/>
-              <a:t>”</a:t>
-            </a:r>
-          </a:p>
-          <a:p>
-            <a:pPr lvl="1"/>
-            <a:r>
-              <a:rPr lang="en-US" dirty="0"/>
-              <a:t>Create basic html to show data on localhost:8088/</a:t>
-            </a:r>
-            <a:r>
-              <a:rPr lang="en-US" dirty="0" err="1"/>
-              <a:t>streamData</a:t>
+              <a:t>Echarts</a:t>
             </a:r>
             <a:endParaRPr dirty="0"/>
           </a:p>
         </p:txBody>
       </p:sp>
+      <p:pic>
+        <p:nvPicPr>
+          <p:cNvPr id="3" name="Picture 2">
+            <a:extLst>
+              <a:ext uri="{FF2B5EF4-FFF2-40B4-BE49-F238E27FC236}">
+                <a16:creationId xmlns:a16="http://schemas.microsoft.com/office/drawing/2014/main" xmlns="" id="{C36C927F-6172-4424-B238-0EEF8E2B44AD}"/>
+              </a:ext>
+            </a:extLst>
+          </p:cNvPr>
+          <p:cNvPicPr>
+            <a:picLocks noChangeAspect="1"/>
+          </p:cNvPicPr>
+          <p:nvPr/>
+        </p:nvPicPr>
+        <p:blipFill>
+          <a:blip r:embed="rId2" cstate="print">
+            <a:extLst>
+              <a:ext uri="{28A0092B-C50C-407E-A947-70E740481C1C}">
+                <a14:useLocalDpi xmlns:a14="http://schemas.microsoft.com/office/drawing/2010/main" xmlns="" val="0"/>
+              </a:ext>
+            </a:extLst>
+          </a:blip>
+          <a:stretch>
+            <a:fillRect/>
+          </a:stretch>
+        </p:blipFill>
+        <p:spPr>
+          <a:xfrm>
+            <a:off x="9382541" y="3120887"/>
+            <a:ext cx="12662452" cy="8256011"/>
+          </a:xfrm>
+          <a:prstGeom prst="rect">
+            <a:avLst/>
+          </a:prstGeom>
+        </p:spPr>
+      </p:pic>
     </p:spTree>
   </p:cSld>
   <p:clrMapOvr>
@@ -5053,7 +5360,7 @@
       </p:grpSpPr>
       <p:sp>
         <p:nvSpPr>
-          <p:cNvPr id="174" name="Kafka Streams"/>
+          <p:cNvPr id="164" name="Overall system architecture"/>
           <p:cNvSpPr txBox="1">
             <a:spLocks noGrp="1"/>
           </p:cNvSpPr>
@@ -5072,15 +5379,26 @@
           <a:p>
             <a:r>
               <a:rPr lang="en-US" dirty="0"/>
-              <a:t>Spark Consumer</a:t>
-            </a:r>
-            <a:endParaRPr dirty="0"/>
+              <a:t>S</a:t>
+            </a:r>
+            <a:r>
+              <a:rPr dirty="0"/>
+              <a:t>ystem </a:t>
+            </a:r>
+            <a:r>
+              <a:rPr lang="en-US" dirty="0"/>
+              <a:t>A</a:t>
+            </a:r>
+            <a:r>
+              <a:rPr dirty="0"/>
+              <a:t>rchitecture</a:t>
+            </a:r>
           </a:p>
         </p:txBody>
       </p:sp>
       <p:sp>
         <p:nvSpPr>
-          <p:cNvPr id="176" name="Previous account balance…"/>
+          <p:cNvPr id="166" name="Jupyter Notebook…"/>
           <p:cNvSpPr txBox="1">
             <a:spLocks noGrp="1"/>
           </p:cNvSpPr>
@@ -5090,8 +5408,8 @@
         </p:nvSpPr>
         <p:spPr>
           <a:xfrm>
-            <a:off x="1206500" y="2782957"/>
-            <a:ext cx="21971000" cy="9721559"/>
+            <a:off x="1206500" y="3120887"/>
+            <a:ext cx="21971000" cy="9383629"/>
           </a:xfrm>
           <a:prstGeom prst="rect">
             <a:avLst/>
@@ -5101,85 +5419,154 @@
           <a:bodyPr/>
           <a:lstStyle/>
           <a:p>
-            <a:pPr marL="0" indent="0">
+            <a:r>
+              <a:rPr lang="hu-HU" dirty="0" err="1" smtClean="0"/>
+              <a:t>DataBricks</a:t>
+            </a:r>
+            <a:r>
+              <a:rPr lang="hu-HU" dirty="0" smtClean="0"/>
+              <a:t> </a:t>
+            </a:r>
+            <a:r>
+              <a:rPr lang="hu-HU" dirty="0" err="1" smtClean="0"/>
+              <a:t>F</a:t>
+            </a:r>
+            <a:r>
+              <a:rPr lang="hu-HU" dirty="0" err="1" smtClean="0"/>
+              <a:t>or</a:t>
+            </a:r>
+            <a:r>
+              <a:rPr lang="hu-HU" dirty="0" smtClean="0"/>
+              <a:t> </a:t>
+            </a:r>
+            <a:r>
+              <a:rPr lang="hu-HU" dirty="0" err="1" smtClean="0"/>
+              <a:t>Anomaly</a:t>
+            </a:r>
+            <a:endParaRPr lang="hu-HU" dirty="0" smtClean="0"/>
+          </a:p>
+          <a:p>
+            <a:pPr>
               <a:buNone/>
             </a:pPr>
             <a:r>
+              <a:rPr lang="hu-HU" dirty="0" smtClean="0"/>
+              <a:t>   </a:t>
+            </a:r>
+            <a:r>
+              <a:rPr lang="hu-HU" dirty="0" err="1" smtClean="0"/>
+              <a:t>Detection</a:t>
+            </a:r>
+            <a:r>
+              <a:rPr lang="hu-HU" dirty="0" smtClean="0"/>
+              <a:t>.</a:t>
+            </a:r>
+            <a:endParaRPr dirty="0"/>
+          </a:p>
+          <a:p>
+            <a:r>
+              <a:rPr dirty="0"/>
+              <a:t>Kafka</a:t>
+            </a:r>
+            <a:r>
               <a:rPr lang="en-US" dirty="0"/>
-              <a:t>Filtering according to</a:t>
-            </a:r>
+              <a:t> Streams as server</a:t>
+            </a:r>
+            <a:endParaRPr dirty="0"/>
           </a:p>
           <a:p>
             <a:r>
               <a:rPr lang="en-US" dirty="0"/>
-              <a:t>Filter data on basis of length of data stream and must exist a protocol, </a:t>
-            </a:r>
-          </a:p>
-          <a:p>
-            <a:pPr marL="609600" lvl="1" indent="0">
-              <a:buNone/>
-            </a:pPr>
+              <a:t>Spark</a:t>
+            </a:r>
+            <a:r>
+              <a:rPr dirty="0"/>
+              <a:t> </a:t>
+            </a:r>
             <a:r>
               <a:rPr lang="en-US" dirty="0"/>
-              <a:t>	</a:t>
-            </a:r>
-            <a:r>
-              <a:rPr lang="en-US" sz="4400" dirty="0" err="1"/>
-              <a:t>data_stream.length</a:t>
-            </a:r>
-            <a:r>
-              <a:rPr lang="en-US" sz="4400" dirty="0"/>
-              <a:t> &gt; 10 &amp; </a:t>
-            </a:r>
-            <a:r>
-              <a:rPr lang="en-US" sz="4400" dirty="0" err="1"/>
-              <a:t>data_stream</a:t>
-            </a:r>
-            <a:r>
-              <a:rPr lang="en-US" sz="4400" dirty="0"/>
-              <a:t>[12]&gt;0</a:t>
-            </a:r>
-            <a:endParaRPr sz="4400" dirty="0"/>
-          </a:p>
-          <a:p>
-            <a:r>
-              <a:rPr lang="en-US" sz="4400" dirty="0"/>
-              <a:t>Stream data from “topic1”, apply filtration and store on MySQL</a:t>
-            </a:r>
-          </a:p>
-          <a:p>
-            <a:r>
-              <a:rPr lang="en-US" sz="4400" dirty="0"/>
-              <a:t>Filter data on basis of </a:t>
-            </a:r>
-            <a:r>
-              <a:rPr lang="en-US" sz="4000" dirty="0"/>
-              <a:t>protocol = “TCP”</a:t>
-            </a:r>
-          </a:p>
-          <a:p>
-            <a:r>
-              <a:rPr lang="en-US" sz="4400" dirty="0"/>
-              <a:t>Stream data from “streaming”, apply above filter and store on MongoDB.</a:t>
-            </a:r>
-          </a:p>
-          <a:p>
-            <a:r>
-              <a:rPr lang="en-US" sz="4400" dirty="0"/>
-              <a:t>Migrated MySQL to MongoDB</a:t>
-            </a:r>
+              <a:t>as consumer</a:t>
+            </a:r>
+            <a:endParaRPr dirty="0"/>
+          </a:p>
+          <a:p>
+            <a:r>
+              <a:rPr lang="hu-HU" dirty="0" err="1" smtClean="0"/>
+              <a:t>Spark</a:t>
+            </a:r>
+            <a:r>
+              <a:rPr lang="hu-HU" dirty="0" smtClean="0"/>
+              <a:t> </a:t>
+            </a:r>
+            <a:r>
+              <a:rPr lang="hu-HU" dirty="0" err="1" smtClean="0"/>
+              <a:t>Mllib</a:t>
+            </a:r>
+            <a:r>
+              <a:rPr lang="hu-HU" dirty="0" smtClean="0"/>
+              <a:t> </a:t>
+            </a:r>
+            <a:r>
+              <a:rPr lang="hu-HU" dirty="0" err="1" smtClean="0"/>
+              <a:t>Pipeline</a:t>
+            </a:r>
+            <a:endParaRPr lang="hu-HU" dirty="0" smtClean="0"/>
+          </a:p>
+          <a:p>
+            <a:r>
+              <a:rPr lang="hu-HU" dirty="0" err="1" smtClean="0"/>
+              <a:t>MariaDB</a:t>
+            </a:r>
+            <a:r>
+              <a:rPr lang="hu-HU" dirty="0" smtClean="0"/>
+              <a:t> SQL </a:t>
+            </a:r>
+            <a:r>
+              <a:rPr lang="hu-HU" dirty="0" smtClean="0"/>
+              <a:t>Server</a:t>
+            </a:r>
+          </a:p>
+          <a:p>
+            <a:r>
+              <a:rPr lang="hu-HU" dirty="0" smtClean="0"/>
+              <a:t>Data </a:t>
+            </a:r>
+            <a:r>
+              <a:rPr lang="hu-HU" dirty="0" err="1" smtClean="0"/>
+              <a:t>Visualisation</a:t>
+            </a:r>
+            <a:endParaRPr lang="hu-HU" dirty="0" smtClean="0"/>
           </a:p>
           <a:p>
             <a:endParaRPr dirty="0"/>
           </a:p>
         </p:txBody>
       </p:sp>
+      <p:pic>
+        <p:nvPicPr>
+          <p:cNvPr id="5" name="Kép 4" descr="ProjectDiagram.png"/>
+          <p:cNvPicPr>
+            <a:picLocks noChangeAspect="1"/>
+          </p:cNvPicPr>
+          <p:nvPr/>
+        </p:nvPicPr>
+        <p:blipFill>
+          <a:blip r:embed="rId2" cstate="print"/>
+          <a:stretch>
+            <a:fillRect/>
+          </a:stretch>
+        </p:blipFill>
+        <p:spPr>
+          <a:xfrm>
+            <a:off x="8982307" y="2828925"/>
+            <a:ext cx="14635976" cy="8058150"/>
+          </a:xfrm>
+          <a:prstGeom prst="rect">
+            <a:avLst/>
+          </a:prstGeom>
+        </p:spPr>
+      </p:pic>
     </p:spTree>
-    <p:extLst>
-      <p:ext uri="{BB962C8B-B14F-4D97-AF65-F5344CB8AC3E}">
-        <p14:creationId xmlns:p14="http://schemas.microsoft.com/office/powerpoint/2010/main" val="4234188634"/>
-      </p:ext>
-    </p:extLst>
   </p:cSld>
   <p:clrMapOvr>
     <a:masterClrMapping/>
@@ -5207,14 +5594,33 @@
       </p:grpSpPr>
       <p:sp>
         <p:nvSpPr>
-          <p:cNvPr id="4" name="Text Placeholder 3">
-            <a:extLst>
-              <a:ext uri="{FF2B5EF4-FFF2-40B4-BE49-F238E27FC236}">
-                <a16:creationId xmlns:a16="http://schemas.microsoft.com/office/drawing/2014/main" id="{81AF30D5-FC3E-4664-8D00-04A264B2EA9D}"/>
-              </a:ext>
-            </a:extLst>
-          </p:cNvPr>
-          <p:cNvSpPr>
+          <p:cNvPr id="174" name="Kafka Streams"/>
+          <p:cNvSpPr txBox="1">
+            <a:spLocks noGrp="1"/>
+          </p:cNvSpPr>
+          <p:nvPr>
+            <p:ph type="title"/>
+          </p:nvPr>
+        </p:nvSpPr>
+        <p:spPr>
+          <a:prstGeom prst="rect">
+            <a:avLst/>
+          </a:prstGeom>
+        </p:spPr>
+        <p:txBody>
+          <a:bodyPr/>
+          <a:lstStyle/>
+          <a:p>
+            <a:r>
+              <a:t>Kafka Streams</a:t>
+            </a:r>
+          </a:p>
+        </p:txBody>
+      </p:sp>
+      <p:sp>
+        <p:nvSpPr>
+          <p:cNvPr id="176" name="Previous account balance…"/>
+          <p:cNvSpPr txBox="1">
             <a:spLocks noGrp="1"/>
           </p:cNvSpPr>
           <p:nvPr>
@@ -5223,60 +5629,77 @@
         </p:nvSpPr>
         <p:spPr>
           <a:xfrm>
-            <a:off x="1206500" y="854765"/>
-            <a:ext cx="21971000" cy="11649751"/>
+            <a:off x="1206500" y="2941983"/>
+            <a:ext cx="21255935" cy="9562533"/>
           </a:xfrm>
+          <a:prstGeom prst="rect">
+            <a:avLst/>
+          </a:prstGeom>
         </p:spPr>
         <p:txBody>
           <a:bodyPr/>
           <a:lstStyle/>
           <a:p>
-            <a:endParaRPr lang="en-US" dirty="0"/>
+            <a:pPr marL="0" indent="0">
+              <a:buNone/>
+            </a:pPr>
+            <a:r>
+              <a:rPr lang="en-US" dirty="0"/>
+              <a:t>Two Topics Created</a:t>
+            </a:r>
+          </a:p>
+          <a:p>
+            <a:pPr lvl="1"/>
+            <a:r>
+              <a:rPr lang="en-US" dirty="0"/>
+              <a:t>topic1</a:t>
+            </a:r>
+          </a:p>
+          <a:p>
+            <a:pPr lvl="1"/>
+            <a:r>
+              <a:rPr lang="en-US" dirty="0"/>
+              <a:t>streaming</a:t>
+            </a:r>
+          </a:p>
+          <a:p>
+            <a:pPr lvl="1"/>
+            <a:r>
+              <a:rPr lang="en-US" dirty="0"/>
+              <a:t>.csv data streamed,  </a:t>
+            </a:r>
+            <a:r>
+              <a:rPr lang="en-US" dirty="0" err="1"/>
+              <a:t>api</a:t>
+            </a:r>
+            <a:r>
+              <a:rPr lang="en-US" dirty="0"/>
+              <a:t> path “/</a:t>
+            </a:r>
+            <a:r>
+              <a:rPr lang="en-US" dirty="0" err="1"/>
+              <a:t>streamData</a:t>
+            </a:r>
+            <a:r>
+              <a:rPr lang="en-US" dirty="0"/>
+              <a:t>”</a:t>
+            </a:r>
+          </a:p>
+          <a:p>
+            <a:pPr lvl="1"/>
+            <a:r>
+              <a:rPr lang="en-US" dirty="0"/>
+              <a:t>Create basic html to show data on localhost:8088/</a:t>
+            </a:r>
+            <a:r>
+              <a:rPr lang="en-US" dirty="0" err="1"/>
+              <a:t>streamData</a:t>
+            </a:r>
+            <a:endParaRPr dirty="0"/>
           </a:p>
         </p:txBody>
       </p:sp>
-      <p:pic>
-        <p:nvPicPr>
-          <p:cNvPr id="6" name="Picture 5">
-            <a:extLst>
-              <a:ext uri="{FF2B5EF4-FFF2-40B4-BE49-F238E27FC236}">
-                <a16:creationId xmlns:a16="http://schemas.microsoft.com/office/drawing/2014/main" id="{E80ACF00-1B96-4244-962D-AB9CC2589CCC}"/>
-              </a:ext>
-            </a:extLst>
-          </p:cNvPr>
-          <p:cNvPicPr>
-            <a:picLocks noChangeAspect="1"/>
-          </p:cNvPicPr>
-          <p:nvPr/>
-        </p:nvPicPr>
-        <p:blipFill>
-          <a:blip r:embed="rId2">
-            <a:extLst>
-              <a:ext uri="{28A0092B-C50C-407E-A947-70E740481C1C}">
-                <a14:useLocalDpi xmlns:a14="http://schemas.microsoft.com/office/drawing/2010/main" val="0"/>
-              </a:ext>
-            </a:extLst>
-          </a:blip>
-          <a:stretch>
-            <a:fillRect/>
-          </a:stretch>
-        </p:blipFill>
-        <p:spPr>
-          <a:xfrm>
-            <a:off x="1206500" y="854765"/>
-            <a:ext cx="21037275" cy="11822363"/>
-          </a:xfrm>
-          <a:prstGeom prst="rect">
-            <a:avLst/>
-          </a:prstGeom>
-        </p:spPr>
-      </p:pic>
     </p:spTree>
-    <p:extLst>
-      <p:ext uri="{BB962C8B-B14F-4D97-AF65-F5344CB8AC3E}">
-        <p14:creationId xmlns:p14="http://schemas.microsoft.com/office/powerpoint/2010/main" val="3585331926"/>
-      </p:ext>
-    </p:extLst>
   </p:cSld>
   <p:clrMapOvr>
     <a:masterClrMapping/>
@@ -5304,14 +5727,35 @@
       </p:grpSpPr>
       <p:sp>
         <p:nvSpPr>
-          <p:cNvPr id="4" name="Text Placeholder 3">
-            <a:extLst>
-              <a:ext uri="{FF2B5EF4-FFF2-40B4-BE49-F238E27FC236}">
-                <a16:creationId xmlns:a16="http://schemas.microsoft.com/office/drawing/2014/main" id="{76B44034-6956-4659-83F5-4ACF9028FE24}"/>
-              </a:ext>
-            </a:extLst>
-          </p:cNvPr>
-          <p:cNvSpPr>
+          <p:cNvPr id="174" name="Kafka Streams"/>
+          <p:cNvSpPr txBox="1">
+            <a:spLocks noGrp="1"/>
+          </p:cNvSpPr>
+          <p:nvPr>
+            <p:ph type="title"/>
+          </p:nvPr>
+        </p:nvSpPr>
+        <p:spPr>
+          <a:prstGeom prst="rect">
+            <a:avLst/>
+          </a:prstGeom>
+        </p:spPr>
+        <p:txBody>
+          <a:bodyPr/>
+          <a:lstStyle/>
+          <a:p>
+            <a:r>
+              <a:rPr lang="en-US" dirty="0"/>
+              <a:t>Spark Consumer</a:t>
+            </a:r>
+            <a:endParaRPr dirty="0"/>
+          </a:p>
+        </p:txBody>
+      </p:sp>
+      <p:sp>
+        <p:nvSpPr>
+          <p:cNvPr id="176" name="Previous account balance…"/>
+          <p:cNvSpPr txBox="1">
             <a:spLocks noGrp="1"/>
           </p:cNvSpPr>
           <p:nvPr>
@@ -5320,9 +5764,12 @@
         </p:nvSpPr>
         <p:spPr>
           <a:xfrm>
-            <a:off x="0" y="1"/>
-            <a:ext cx="24384000" cy="13716000"/>
+            <a:off x="1206500" y="2782957"/>
+            <a:ext cx="21971000" cy="9721559"/>
           </a:xfrm>
+          <a:prstGeom prst="rect">
+            <a:avLst/>
+          </a:prstGeom>
         </p:spPr>
         <p:txBody>
           <a:bodyPr/>
@@ -5331,105 +5778,80 @@
             <a:pPr marL="0" indent="0">
               <a:buNone/>
             </a:pPr>
-            <a:endParaRPr lang="en-US" dirty="0"/>
-          </a:p>
-          <a:p>
-            <a:pPr marL="0" indent="0">
+            <a:r>
+              <a:rPr lang="en-US" dirty="0"/>
+              <a:t>Filtering according to</a:t>
+            </a:r>
+          </a:p>
+          <a:p>
+            <a:r>
+              <a:rPr lang="en-US" dirty="0"/>
+              <a:t>Filter data on basis of length of data stream and must exist a protocol, </a:t>
+            </a:r>
+          </a:p>
+          <a:p>
+            <a:pPr marL="609600" lvl="1" indent="0">
               <a:buNone/>
             </a:pPr>
             <a:r>
-              <a:rPr lang="en-US" sz="8000" dirty="0"/>
-              <a:t>	MongoDB Analysis</a:t>
-            </a:r>
-          </a:p>
-          <a:p>
-            <a:pPr marL="0" indent="0">
-              <a:buNone/>
-            </a:pPr>
-            <a:endParaRPr lang="en-US" sz="8000" dirty="0"/>
-          </a:p>
-          <a:p>
-            <a:pPr marL="0" indent="0">
-              <a:buNone/>
-            </a:pPr>
-            <a:endParaRPr lang="en-US" sz="8500" dirty="0"/>
+              <a:rPr lang="en-US" dirty="0"/>
+              <a:t>	</a:t>
+            </a:r>
+            <a:r>
+              <a:rPr lang="en-US" sz="4400" dirty="0" err="1"/>
+              <a:t>data_stream.length</a:t>
+            </a:r>
+            <a:r>
+              <a:rPr lang="en-US" sz="4400" dirty="0"/>
+              <a:t> &gt; 10 &amp; </a:t>
+            </a:r>
+            <a:r>
+              <a:rPr lang="en-US" sz="4400" dirty="0" err="1"/>
+              <a:t>data_stream</a:t>
+            </a:r>
+            <a:r>
+              <a:rPr lang="en-US" sz="4400" dirty="0"/>
+              <a:t>[12]&gt;0</a:t>
+            </a:r>
+            <a:endParaRPr sz="4400" dirty="0"/>
+          </a:p>
+          <a:p>
+            <a:r>
+              <a:rPr lang="en-US" sz="4400" dirty="0"/>
+              <a:t>Stream data from “topic1”, apply filtration and store on MySQL</a:t>
+            </a:r>
+          </a:p>
+          <a:p>
+            <a:r>
+              <a:rPr lang="en-US" sz="4400" dirty="0"/>
+              <a:t>Filter data on basis of </a:t>
+            </a:r>
+            <a:r>
+              <a:rPr lang="en-US" sz="4000" dirty="0"/>
+              <a:t>protocol = “TCP”</a:t>
+            </a:r>
+          </a:p>
+          <a:p>
+            <a:r>
+              <a:rPr lang="en-US" sz="4400" dirty="0"/>
+              <a:t>Stream data from “streaming”, apply above filter and store on MongoDB.</a:t>
+            </a:r>
+          </a:p>
+          <a:p>
+            <a:r>
+              <a:rPr lang="en-US" sz="4400" dirty="0"/>
+              <a:t>Migrated MySQL to MongoDB</a:t>
+            </a:r>
+          </a:p>
+          <a:p>
+            <a:endParaRPr dirty="0"/>
           </a:p>
         </p:txBody>
       </p:sp>
-      <p:pic>
-        <p:nvPicPr>
-          <p:cNvPr id="6" name="Picture 5">
-            <a:extLst>
-              <a:ext uri="{FF2B5EF4-FFF2-40B4-BE49-F238E27FC236}">
-                <a16:creationId xmlns:a16="http://schemas.microsoft.com/office/drawing/2014/main" id="{100E8943-A363-4667-B363-EC3EDFF4C6C0}"/>
-              </a:ext>
-            </a:extLst>
-          </p:cNvPr>
-          <p:cNvPicPr>
-            <a:picLocks noChangeAspect="1"/>
-          </p:cNvPicPr>
-          <p:nvPr/>
-        </p:nvPicPr>
-        <p:blipFill rotWithShape="1">
-          <a:blip r:embed="rId2">
-            <a:extLst>
-              <a:ext uri="{28A0092B-C50C-407E-A947-70E740481C1C}">
-                <a14:useLocalDpi xmlns:a14="http://schemas.microsoft.com/office/drawing/2010/main" val="0"/>
-              </a:ext>
-            </a:extLst>
-          </a:blip>
-          <a:srcRect l="18270" t="11681"/>
-          <a:stretch/>
-        </p:blipFill>
-        <p:spPr>
-          <a:xfrm>
-            <a:off x="1132157" y="2663687"/>
-            <a:ext cx="10718014" cy="8865704"/>
-          </a:xfrm>
-          <a:prstGeom prst="rect">
-            <a:avLst/>
-          </a:prstGeom>
-        </p:spPr>
-      </p:pic>
-      <p:pic>
-        <p:nvPicPr>
-          <p:cNvPr id="8" name="Picture 7">
-            <a:extLst>
-              <a:ext uri="{FF2B5EF4-FFF2-40B4-BE49-F238E27FC236}">
-                <a16:creationId xmlns:a16="http://schemas.microsoft.com/office/drawing/2014/main" id="{E90F27EA-DD77-4731-9447-5461639BF052}"/>
-              </a:ext>
-            </a:extLst>
-          </p:cNvPr>
-          <p:cNvPicPr>
-            <a:picLocks noChangeAspect="1"/>
-          </p:cNvPicPr>
-          <p:nvPr/>
-        </p:nvPicPr>
-        <p:blipFill rotWithShape="1">
-          <a:blip r:embed="rId3">
-            <a:extLst>
-              <a:ext uri="{28A0092B-C50C-407E-A947-70E740481C1C}">
-                <a14:useLocalDpi xmlns:a14="http://schemas.microsoft.com/office/drawing/2010/main" val="0"/>
-              </a:ext>
-            </a:extLst>
-          </a:blip>
-          <a:srcRect l="18270" t="11274"/>
-          <a:stretch/>
-        </p:blipFill>
-        <p:spPr>
-          <a:xfrm>
-            <a:off x="12982328" y="2663687"/>
-            <a:ext cx="10834442" cy="8865704"/>
-          </a:xfrm>
-          <a:prstGeom prst="rect">
-            <a:avLst/>
-          </a:prstGeom>
-        </p:spPr>
-      </p:pic>
     </p:spTree>
     <p:extLst>
       <p:ext uri="{BB962C8B-B14F-4D97-AF65-F5344CB8AC3E}">
-        <p14:creationId xmlns:p14="http://schemas.microsoft.com/office/powerpoint/2010/main" val="904862034"/>
+        <p14:creationId xmlns:p14="http://schemas.microsoft.com/office/powerpoint/2010/main" xmlns="" val="4234188634"/>
       </p:ext>
     </p:extLst>
   </p:cSld>
